--- a/src/d191016/parkdoyoung/Window 와 Linux.pptx
+++ b/src/d191016/parkdoyoung/Window 와 Linux.pptx
@@ -4866,7 +4866,7 @@
         <p:spPr>
           <a:xfrm>
             <a:off x="2843760" y="426076"/>
-            <a:ext cx="5832810" cy="4247317"/>
+            <a:ext cx="5832810" cy="4278094"/>
           </a:xfrm>
           <a:prstGeom prst="rect">
             <a:avLst/>
@@ -4963,14 +4963,12 @@
             </a:r>
             <a:r>
               <a:rPr lang="ko-KR" altLang="en-US" dirty="0"/>
-              <a:t>블루스크린이 사라졌다는 생각이 들게 할 정도로 안정성이 획기적으로 올라갔다</a:t>
-            </a:r>
-            <a:r>
-              <a:rPr lang="en-US" altLang="ko-KR" dirty="0"/>
+              <a:t>블루스크린이 사라졌다는 생각이 들게 할 정도로 안정성이 획기적으로 올라갔다는 평을 받았다</a:t>
+            </a:r>
+            <a:r>
+              <a:rPr lang="en-US" altLang="ko-KR"/>
               <a:t>.</a:t>
             </a:r>
-          </a:p>
-          <a:p>
             <a:endParaRPr lang="en-US" altLang="ko-KR" dirty="0"/>
           </a:p>
           <a:p>

--- a/src/d191016/parkdoyoung/Window 와 Linux.pptx
+++ b/src/d191016/parkdoyoung/Window 와 Linux.pptx
@@ -4866,7 +4866,7 @@
         <p:spPr>
           <a:xfrm>
             <a:off x="2843760" y="426076"/>
-            <a:ext cx="5832810" cy="4278094"/>
+            <a:ext cx="5832810" cy="3662541"/>
           </a:xfrm>
           <a:prstGeom prst="rect">
             <a:avLst/>
@@ -4894,147 +4894,146 @@
           </a:p>
           <a:p>
             <a:r>
-              <a:rPr lang="en-US" altLang="ko-KR" dirty="0"/>
+              <a:rPr lang="en-US" altLang="ko-KR" sz="1600" dirty="0"/>
               <a:t>MS</a:t>
             </a:r>
             <a:r>
-              <a:rPr lang="ko-KR" altLang="en-US" dirty="0"/>
+              <a:rPr lang="ko-KR" altLang="en-US" sz="1600" dirty="0"/>
               <a:t>는 </a:t>
             </a:r>
             <a:r>
-              <a:rPr lang="en-US" altLang="ko-KR" dirty="0"/>
+              <a:rPr lang="en-US" altLang="ko-KR" sz="1600" dirty="0"/>
               <a:t>90</a:t>
             </a:r>
             <a:r>
-              <a:rPr lang="ko-KR" altLang="en-US" dirty="0"/>
+              <a:rPr lang="ko-KR" altLang="en-US" sz="1600" dirty="0"/>
               <a:t>년대 후반 </a:t>
             </a:r>
             <a:r>
-              <a:rPr lang="en-US" altLang="ko-KR" dirty="0"/>
+              <a:rPr lang="en-US" altLang="ko-KR" sz="1600" dirty="0"/>
               <a:t>DOS/9x </a:t>
             </a:r>
             <a:r>
-              <a:rPr lang="ko-KR" altLang="en-US" dirty="0"/>
+              <a:rPr lang="ko-KR" altLang="en-US" sz="1600" dirty="0"/>
               <a:t>커널을 단념하고 가정용의 </a:t>
             </a:r>
             <a:r>
-              <a:rPr lang="en-US" altLang="ko-KR" dirty="0"/>
+              <a:rPr lang="en-US" altLang="ko-KR" sz="1600" dirty="0"/>
               <a:t>9x</a:t>
             </a:r>
             <a:r>
-              <a:rPr lang="ko-KR" altLang="en-US" dirty="0"/>
+              <a:rPr lang="ko-KR" altLang="en-US" sz="1600" dirty="0"/>
               <a:t>와 업무용의 </a:t>
             </a:r>
             <a:r>
-              <a:rPr lang="en-US" altLang="ko-KR" dirty="0"/>
+              <a:rPr lang="en-US" altLang="ko-KR" sz="1600" dirty="0"/>
               <a:t>NT</a:t>
             </a:r>
             <a:r>
-              <a:rPr lang="ko-KR" altLang="en-US" dirty="0"/>
+              <a:rPr lang="ko-KR" altLang="en-US" sz="1600" dirty="0"/>
               <a:t>로 나뉜 </a:t>
             </a:r>
             <a:r>
-              <a:rPr lang="en-US" altLang="ko-KR" dirty="0"/>
+              <a:rPr lang="en-US" altLang="ko-KR" sz="1600" dirty="0"/>
               <a:t>Windows </a:t>
             </a:r>
             <a:r>
-              <a:rPr lang="ko-KR" altLang="en-US" dirty="0"/>
+              <a:rPr lang="ko-KR" altLang="en-US" sz="1600" dirty="0"/>
               <a:t>계열을 하나로 합쳐 </a:t>
             </a:r>
             <a:r>
-              <a:rPr lang="en-US" altLang="ko-KR" dirty="0"/>
+              <a:rPr lang="en-US" altLang="ko-KR" sz="1600" dirty="0"/>
               <a:t>NT </a:t>
             </a:r>
             <a:r>
-              <a:rPr lang="ko-KR" altLang="en-US" dirty="0"/>
+              <a:rPr lang="ko-KR" altLang="en-US" sz="1600" dirty="0"/>
               <a:t>커널을 가정용에도 도입하여 안정성을 추구해 나온 것이 </a:t>
             </a:r>
             <a:r>
-              <a:rPr lang="en-US" altLang="ko-KR" dirty="0"/>
+              <a:rPr lang="en-US" altLang="ko-KR" sz="1600" dirty="0"/>
               <a:t>Windows XP</a:t>
             </a:r>
             <a:r>
-              <a:rPr lang="ko-KR" altLang="en-US" dirty="0"/>
+              <a:rPr lang="ko-KR" altLang="en-US" sz="1600" dirty="0"/>
               <a:t>다</a:t>
             </a:r>
             <a:r>
-              <a:rPr lang="en-US" altLang="ko-KR" dirty="0"/>
+              <a:rPr lang="en-US" altLang="ko-KR" sz="1600" dirty="0"/>
               <a:t>. </a:t>
             </a:r>
             <a:r>
-              <a:rPr lang="ko-KR" altLang="en-US" dirty="0"/>
+              <a:rPr lang="ko-KR" altLang="en-US" sz="1600" dirty="0"/>
               <a:t>블루스크린이 사라졌다는 생각이 들게 할 정도로 안정성이 획기적으로 올라갔다는 평을 받았다</a:t>
             </a:r>
             <a:r>
-              <a:rPr lang="en-US" altLang="ko-KR"/>
+              <a:rPr lang="en-US" altLang="ko-KR" sz="1600" dirty="0"/>
               <a:t>.</a:t>
             </a:r>
-            <a:endParaRPr lang="en-US" altLang="ko-KR" dirty="0"/>
-          </a:p>
-          <a:p>
-            <a:endParaRPr lang="en-US" altLang="ko-KR" dirty="0"/>
-          </a:p>
-          <a:p>
-            <a:r>
-              <a:rPr lang="ko-KR" altLang="en-US" dirty="0"/>
+          </a:p>
+          <a:p>
+            <a:endParaRPr lang="en-US" altLang="ko-KR" sz="1600" dirty="0"/>
+          </a:p>
+          <a:p>
+            <a:r>
+              <a:rPr lang="ko-KR" altLang="en-US" sz="1600" dirty="0"/>
               <a:t>개인용</a:t>
             </a:r>
             <a:r>
-              <a:rPr lang="en-US" altLang="ko-KR" dirty="0"/>
+              <a:rPr lang="en-US" altLang="ko-KR" sz="1600" dirty="0"/>
               <a:t>OS</a:t>
             </a:r>
             <a:r>
-              <a:rPr lang="ko-KR" altLang="en-US" dirty="0"/>
+              <a:rPr lang="ko-KR" altLang="en-US" sz="1600" dirty="0"/>
               <a:t> 시장진입의 초석</a:t>
             </a:r>
-            <a:endParaRPr lang="en-US" altLang="ko-KR" dirty="0"/>
-          </a:p>
-          <a:p>
-            <a:endParaRPr lang="en-US" altLang="ko-KR" dirty="0"/>
-          </a:p>
-          <a:p>
-            <a:r>
-              <a:rPr lang="ko-KR" altLang="en-US" dirty="0"/>
+            <a:endParaRPr lang="en-US" altLang="ko-KR" sz="1600" dirty="0"/>
+          </a:p>
+          <a:p>
+            <a:endParaRPr lang="en-US" altLang="ko-KR" sz="1600" dirty="0"/>
+          </a:p>
+          <a:p>
+            <a:r>
+              <a:rPr lang="ko-KR" altLang="en-US" sz="1600" dirty="0"/>
               <a:t>최초의 </a:t>
             </a:r>
             <a:r>
-              <a:rPr lang="en-US" altLang="ko-KR" dirty="0"/>
+              <a:rPr lang="en-US" altLang="ko-KR" sz="1600" dirty="0"/>
               <a:t>64</a:t>
             </a:r>
             <a:r>
-              <a:rPr lang="ko-KR" altLang="en-US" dirty="0"/>
+              <a:rPr lang="ko-KR" altLang="en-US" sz="1600" dirty="0"/>
               <a:t>비트 </a:t>
             </a:r>
             <a:r>
-              <a:rPr lang="en-US" altLang="ko-KR" dirty="0"/>
+              <a:rPr lang="en-US" altLang="ko-KR" sz="1600" dirty="0"/>
               <a:t>windows</a:t>
             </a:r>
           </a:p>
           <a:p>
-            <a:endParaRPr lang="en-US" altLang="ko-KR" dirty="0"/>
-          </a:p>
-          <a:p>
-            <a:r>
-              <a:rPr lang="ko-KR" altLang="en-US" dirty="0"/>
+            <a:endParaRPr lang="en-US" altLang="ko-KR" sz="1600" dirty="0"/>
+          </a:p>
+          <a:p>
+            <a:r>
+              <a:rPr lang="ko-KR" altLang="en-US" sz="1600" dirty="0"/>
               <a:t>전세계적으로 </a:t>
             </a:r>
             <a:r>
-              <a:rPr lang="en-US" altLang="ko-KR" dirty="0"/>
+              <a:rPr lang="en-US" altLang="ko-KR" sz="1600" dirty="0"/>
               <a:t>10</a:t>
             </a:r>
             <a:r>
-              <a:rPr lang="ko-KR" altLang="en-US" dirty="0"/>
+              <a:rPr lang="ko-KR" altLang="en-US" sz="1600" dirty="0"/>
               <a:t>억대의 </a:t>
             </a:r>
             <a:r>
-              <a:rPr lang="en-US" altLang="ko-KR" dirty="0"/>
+              <a:rPr lang="en-US" altLang="ko-KR" sz="1600" dirty="0"/>
               <a:t>PC</a:t>
             </a:r>
             <a:r>
-              <a:rPr lang="ko-KR" altLang="en-US" dirty="0"/>
+              <a:rPr lang="ko-KR" altLang="en-US" sz="1600" dirty="0"/>
               <a:t>가 판매</a:t>
             </a:r>
-            <a:endParaRPr lang="en-US" altLang="ko-KR" dirty="0"/>
+            <a:endParaRPr lang="en-US" altLang="ko-KR" sz="1600" dirty="0"/>
           </a:p>
           <a:p>
             <a:endParaRPr lang="ko-KR" altLang="en-US" dirty="0"/>
